--- a/CIS453L_Final_Project.pptx
+++ b/CIS453L_Final_Project.pptx
@@ -10843,7 +10843,7 @@
           <a:lstStyle/>
           <a:p>
             <a:r>
-              <a:rPr lang="en-US"/>
+              <a:rPr lang="en-US" dirty="0"/>
               <a:t>Peer Review</a:t>
             </a:r>
           </a:p>
@@ -10877,9 +10877,14 @@
               <a:buChar char="v"/>
             </a:pPr>
             <a:r>
+              <a:rPr lang="en-US" dirty="0"/>
+              <a:t>Steven </a:t>
+            </a:r>
+            <a:r>
               <a:rPr lang="en-US"/>
-              <a:t>Steven Woods - The team worked well together because we all let each team member speak their ideas without making them feel safe enough to do it without fear. This was great thing that allowed us all to get an equal say in the work and giving us all the feeling of being respected.</a:t>
+              <a:t>Woods - The team worked well together because we all let each team member speak their ideas without making them feel safe enough to do it without fear. This was great thing that allowed us all to get an equal say in the work and giving us all the feeling of being respected.</a:t>
             </a:r>
+            <a:endParaRPr lang="en-US" dirty="0"/>
           </a:p>
           <a:p>
             <a:pPr>
@@ -10887,8 +10892,16 @@
               <a:buChar char="v"/>
             </a:pPr>
             <a:r>
+              <a:rPr lang="en-US" dirty="0"/>
+              <a:t>Ty </a:t>
+            </a:r>
+            <a:r>
               <a:rPr lang="en-US"/>
-              <a:t>Ty Adams - I liked how well the group worked together, and how quick we were to just work. The thing we could improve on is sleep our group was tired a lot.</a:t>
+              <a:t>Adams -</a:t>
+            </a:r>
+            <a:r>
+              <a:rPr lang="en-US" dirty="0"/>
+              <a:t> I liked how well the group worked together, and how quick we were to just work. The thing we could improve on is sleep our group was tired a lot.</a:t>
             </a:r>
           </a:p>
           <a:p>
@@ -10897,9 +10910,14 @@
               <a:buChar char="v"/>
             </a:pPr>
             <a:r>
+              <a:rPr lang="en-US" dirty="0"/>
+              <a:t>David </a:t>
+            </a:r>
+            <a:r>
               <a:rPr lang="en-US"/>
-              <a:t>David Crouch - Overall we were efficient and delegated work well to team members.  My greatest concern was how quickly we could get off topic and then remain off topic for quite a while.</a:t>
+              <a:t>Crouch - Overall we were efficient and delegated work well to team members.  My greatest concern was how quickly we could get off topic and then remain off topic for quite a while.</a:t>
             </a:r>
+            <a:endParaRPr lang="en-US" dirty="0"/>
           </a:p>
           <a:p>
             <a:pPr>
@@ -10907,9 +10925,14 @@
               <a:buChar char="v"/>
             </a:pPr>
             <a:r>
+              <a:rPr lang="en-US" dirty="0"/>
+              <a:t>Sarah </a:t>
+            </a:r>
+            <a:r>
               <a:rPr lang="en-US"/>
-              <a:t>Sarah Hinojosa - Together as a team, I was confident enough to know that we will get everything submitted on time and with excellence. Everyone was willing to aid each other, and overall be a familiar friend. Projects were a breeze with this team since everyone was open to working on something or help with a task at hand.</a:t>
+              <a:t>Hinojosa - Together as a team, I was confident enough to know that we will get everything submitted on time and with excellence. Everyone was willing to aid each other, and overall be a familiar friend. Projects were a breeze with this team since everyone was open to working on something or help with a task at hand.</a:t>
             </a:r>
+            <a:endParaRPr lang="en-US" dirty="0"/>
           </a:p>
           <a:p>
             <a:pPr>
@@ -10917,9 +10940,14 @@
               <a:buChar char="v"/>
             </a:pPr>
             <a:r>
+              <a:rPr lang="en-US" dirty="0"/>
+              <a:t>Jeffrey </a:t>
+            </a:r>
+            <a:r>
               <a:rPr lang="en-US"/>
-              <a:t>Jeffrey Reigel - I liked how are our team worked together overall. We were efficent in our completion of the projects. We worked well together and helped each other when needed. Everyone performed well and was respectful.</a:t>
+              <a:t>Reigel - I liked how are our team worked together overall. We were efficent in our completion of the projects. We worked well together and helped each other when needed. Everyone performed well and was respectful.</a:t>
             </a:r>
+            <a:endParaRPr lang="en-US" dirty="0"/>
           </a:p>
         </p:txBody>
       </p:sp>
@@ -10975,7 +11003,7 @@
           <a:lstStyle/>
           <a:p>
             <a:r>
-              <a:rPr lang="en-US" err="1"/>
+              <a:rPr lang="en-US" dirty="0" err="1"/>
               <a:t>Github</a:t>
             </a:r>
           </a:p>
@@ -11022,7 +11050,7 @@
           </a:p>
           <a:p>
             <a:r>
-              <a:rPr lang="en-US" dirty="0">
+              <a:rPr lang="en-US">
                 <a:ea typeface="+mn-lt"/>
                 <a:cs typeface="+mn-lt"/>
                 <a:hlinkClick r:id="rId3"/>
@@ -11039,7 +11067,7 @@
           </a:p>
           <a:p>
             <a:r>
-              <a:rPr lang="en-US" dirty="0">
+              <a:rPr lang="en-US">
                 <a:ea typeface="+mn-lt"/>
                 <a:cs typeface="+mn-lt"/>
                 <a:hlinkClick r:id="rId4"/>
@@ -11053,7 +11081,7 @@
               </a:rPr>
               <a:t> - Jeffrey</a:t>
             </a:r>
-            <a:endParaRPr lang="en-US" dirty="0"/>
+            <a:endParaRPr lang="en-US"/>
           </a:p>
         </p:txBody>
       </p:sp>
@@ -11109,7 +11137,7 @@
           <a:lstStyle/>
           <a:p>
             <a:r>
-              <a:rPr lang="en-US"/>
+              <a:rPr lang="en-US" dirty="0"/>
               <a:t>Conclusion</a:t>
             </a:r>
           </a:p>
@@ -11145,7 +11173,7 @@
           </a:p>
           <a:p>
             <a:r>
-              <a:rPr lang="en-US"/>
+              <a:rPr lang="en-US" dirty="0"/>
               <a:t>Like, seriously</a:t>
             </a:r>
           </a:p>
@@ -11196,9 +11224,9 @@
         <p:grpSpPr>
           <a:xfrm>
             <a:off x="7385938" y="17741"/>
-            <a:ext cx="1749374" cy="6857999"/>
+            <a:ext cx="1737732" cy="6857999"/>
             <a:chOff x="8660778" y="-3254"/>
-            <a:chExt cx="1749374" cy="6857999"/>
+            <a:chExt cx="1737732" cy="6857999"/>
           </a:xfrm>
         </p:grpSpPr>
         <p:grpSp>
@@ -11216,9 +11244,9 @@
           <p:grpSpPr>
             <a:xfrm>
               <a:off x="8660778" y="-3254"/>
-              <a:ext cx="1749374" cy="6857999"/>
+              <a:ext cx="1737732" cy="6857999"/>
               <a:chOff x="7525212" y="-1859"/>
-              <a:chExt cx="1749374" cy="6857999"/>
+              <a:chExt cx="1737732" cy="6857999"/>
             </a:xfrm>
           </p:grpSpPr>
           <p:sp>
@@ -11289,7 +11317,7 @@
             </p:nvSpPr>
             <p:spPr>
               <a:xfrm rot="5400000">
-                <a:off x="8289562" y="5779350"/>
+                <a:off x="8277920" y="5774332"/>
                 <a:ext cx="1059365" cy="910682"/>
               </a:xfrm>
               <a:prstGeom prst="triangle">
@@ -11370,9 +11398,12 @@
             <a:p>
               <a:pPr algn="l"/>
               <a:r>
-                <a:rPr lang="en-US"/>
+                <a:rPr lang="en-US" dirty="0">
+                  <a:hlinkClick r:id="rId2" action="ppaction://hlinksldjump"/>
+                </a:rPr>
                 <a:t>10</a:t>
               </a:r>
+              <a:endParaRPr lang="en-US" dirty="0"/>
             </a:p>
           </p:txBody>
         </p:sp>
@@ -11665,9 +11696,12 @@
             <a:p>
               <a:pPr algn="l"/>
               <a:r>
-                <a:rPr lang="en-US"/>
+                <a:rPr lang="en-US" dirty="0">
+                  <a:hlinkClick r:id="rId3" action="ppaction://hlinksldjump"/>
+                </a:rPr>
                 <a:t>9</a:t>
               </a:r>
+              <a:endParaRPr lang="en-US" dirty="0"/>
             </a:p>
           </p:txBody>
         </p:sp>
@@ -11864,9 +11898,12 @@
             <a:p>
               <a:pPr algn="l"/>
               <a:r>
-                <a:rPr lang="en-US"/>
+                <a:rPr lang="en-US" dirty="0">
+                  <a:hlinkClick r:id="rId4" action="ppaction://hlinksldjump"/>
+                </a:rPr>
                 <a:t>8</a:t>
               </a:r>
+              <a:endParaRPr lang="en-US" dirty="0"/>
             </a:p>
           </p:txBody>
         </p:sp>
@@ -12054,9 +12091,12 @@
             <a:p>
               <a:pPr algn="l"/>
               <a:r>
-                <a:rPr lang="en-US"/>
+                <a:rPr lang="en-US" dirty="0">
+                  <a:hlinkClick r:id="rId5" action="ppaction://hlinksldjump"/>
+                </a:rPr>
                 <a:t>7</a:t>
               </a:r>
+              <a:endParaRPr lang="en-US" dirty="0"/>
             </a:p>
           </p:txBody>
         </p:sp>
@@ -12209,6 +12249,7 @@
         <p:sp>
           <p:nvSpPr>
             <p:cNvPr id="78" name="TextBox 77">
+              <a:hlinkClick r:id="rId6" action="ppaction://hlinksldjump"/>
               <a:extLst>
                 <a:ext uri="{FF2B5EF4-FFF2-40B4-BE49-F238E27FC236}">
                   <a16:creationId xmlns:a16="http://schemas.microsoft.com/office/drawing/2014/main" id="{E8442A0E-0550-4A56-9C09-9FDF7D81A7EB}"/>
@@ -12244,7 +12285,7 @@
             <a:p>
               <a:pPr algn="l"/>
               <a:r>
-                <a:rPr lang="en-US"/>
+                <a:rPr lang="en-US" dirty="0"/>
                 <a:t>6</a:t>
               </a:r>
             </a:p>
@@ -12405,6 +12446,7 @@
         <p:sp>
           <p:nvSpPr>
             <p:cNvPr id="79" name="TextBox 78">
+              <a:hlinkClick r:id="rId7" action="ppaction://hlinksldjump"/>
               <a:extLst>
                 <a:ext uri="{FF2B5EF4-FFF2-40B4-BE49-F238E27FC236}">
                   <a16:creationId xmlns:a16="http://schemas.microsoft.com/office/drawing/2014/main" id="{79D36DC2-0DE3-4A6C-90AA-23B3EF380072}"/>
@@ -12443,7 +12485,7 @@
             <a:p>
               <a:pPr algn="l"/>
               <a:r>
-                <a:rPr lang="en-US"/>
+                <a:rPr lang="en-US" dirty="0"/>
                 <a:t>5</a:t>
               </a:r>
             </a:p>
@@ -12642,9 +12684,12 @@
             <a:p>
               <a:pPr algn="l"/>
               <a:r>
-                <a:rPr lang="en-US"/>
+                <a:rPr lang="en-US" dirty="0">
+                  <a:hlinkClick r:id="rId8" action="ppaction://hlinksldjump"/>
+                </a:rPr>
                 <a:t>4</a:t>
               </a:r>
+              <a:endParaRPr lang="en-US" dirty="0"/>
             </a:p>
           </p:txBody>
         </p:sp>
@@ -12841,9 +12886,12 @@
             <a:p>
               <a:pPr algn="l"/>
               <a:r>
-                <a:rPr lang="en-US"/>
+                <a:rPr lang="en-US" dirty="0">
+                  <a:hlinkClick r:id="rId9" action="ppaction://hlinksldjump"/>
+                </a:rPr>
                 <a:t>3</a:t>
               </a:r>
+              <a:endParaRPr lang="en-US" dirty="0"/>
             </a:p>
           </p:txBody>
         </p:sp>
@@ -13037,9 +13085,12 @@
             <a:p>
               <a:pPr algn="l"/>
               <a:r>
-                <a:rPr lang="en-US"/>
+                <a:rPr lang="en-US" dirty="0">
+                  <a:hlinkClick r:id="rId10" action="ppaction://hlinksldjump"/>
+                </a:rPr>
                 <a:t>2</a:t>
               </a:r>
+              <a:endParaRPr lang="en-US" dirty="0"/>
             </a:p>
           </p:txBody>
         </p:sp>
@@ -13233,9 +13284,12 @@
             <a:p>
               <a:pPr algn="l"/>
               <a:r>
-                <a:rPr lang="en-US"/>
+                <a:rPr lang="en-US" dirty="0">
+                  <a:hlinkClick r:id="rId11" action="ppaction://hlinksldjump"/>
+                </a:rPr>
                 <a:t>1</a:t>
               </a:r>
+              <a:endParaRPr lang="en-US" dirty="0"/>
             </a:p>
           </p:txBody>
         </p:sp>
@@ -13519,7 +13573,7 @@
           <a:lstStyle/>
           <a:p>
             <a:r>
-              <a:rPr lang="en-US"/>
+              <a:rPr lang="en-US" dirty="0"/>
               <a:t>Problem Statement</a:t>
             </a:r>
           </a:p>
@@ -13551,32 +13605,54 @@
             <a:pPr marL="0" indent="0">
               <a:buNone/>
             </a:pPr>
-            <a:endParaRPr lang="en-US"/>
-          </a:p>
-          <a:p>
+            <a:endParaRPr lang="en-US" dirty="0"/>
+          </a:p>
+          <a:p>
+            <a:r>
+              <a:rPr lang="en-US" dirty="0">
+                <a:ea typeface="+mn-lt"/>
+                <a:cs typeface="+mn-lt"/>
+              </a:rPr>
+              <a:t>The project we decided to redesign is craigslist. The changes we decided to make were to fix have the search bar float at bottom, have two columns of buttons for ease of use, and to simplify the color scheme. </a:t>
+            </a:r>
+            <a:endParaRPr lang="en-US">
+              <a:ea typeface="+mn-lt"/>
+              <a:cs typeface="+mn-lt"/>
+            </a:endParaRPr>
+          </a:p>
+          <a:p>
+            <a:r>
+              <a:rPr lang="en-US" dirty="0">
+                <a:ea typeface="+mn-lt"/>
+                <a:cs typeface="+mn-lt"/>
+              </a:rPr>
+              <a:t>The problem statement was</a:t>
+            </a:r>
             <a:r>
               <a:rPr lang="en-US">
                 <a:ea typeface="+mn-lt"/>
                 <a:cs typeface="+mn-lt"/>
               </a:rPr>
-              <a:t>The project we decided to redesign is craigslist. The changes we decided to make were to fix have the search bar float at bottom, have two columns of buttons for ease of use, and to simplify the color scheme. </a:t>
+              <a:t>:</a:t>
             </a:r>
-          </a:p>
-          <a:p>
             <a:r>
-              <a:rPr lang="en-US">
+              <a:rPr lang="en-US" dirty="0">
                 <a:ea typeface="+mn-lt"/>
                 <a:cs typeface="+mn-lt"/>
               </a:rPr>
-              <a:t>The problem statement was: </a:t>
+              <a:t> </a:t>
             </a:r>
+            <a:endParaRPr lang="en-US">
+              <a:ea typeface="+mn-lt"/>
+              <a:cs typeface="+mn-lt"/>
+            </a:endParaRPr>
           </a:p>
           <a:p>
             <a:pPr marL="0" indent="0" algn="ctr">
               <a:buNone/>
             </a:pPr>
             <a:r>
-              <a:rPr lang="en-US">
+              <a:rPr lang="en-US" dirty="0">
                 <a:ea typeface="+mn-lt"/>
                 <a:cs typeface="+mn-lt"/>
               </a:rPr>
@@ -13677,13 +13753,13 @@
             <a:pPr marL="0" indent="0">
               <a:buNone/>
             </a:pPr>
-            <a:endParaRPr lang="en-US">
+            <a:endParaRPr lang="en-US" dirty="0">
               <a:ea typeface="+mn-lt"/>
               <a:cs typeface="+mn-lt"/>
             </a:endParaRPr>
           </a:p>
           <a:p>
-            <a:endParaRPr lang="en-US">
+            <a:endParaRPr lang="en-US" dirty="0">
               <a:ea typeface="+mn-lt"/>
               <a:cs typeface="+mn-lt"/>
             </a:endParaRPr>
@@ -13782,6 +13858,7 @@
               <a:rPr lang="en-US"/>
               <a:t>Value Proposition Analysis</a:t>
             </a:r>
+            <a:endParaRPr lang="en-US" dirty="0"/>
           </a:p>
         </p:txBody>
       </p:sp>
@@ -13871,7 +13948,7 @@
           <a:lstStyle/>
           <a:p>
             <a:r>
-              <a:rPr lang="en-US"/>
+              <a:rPr lang="en-US" dirty="0"/>
               <a:t>High Fidelity</a:t>
             </a:r>
           </a:p>
@@ -13988,10 +14065,10 @@
           <a:lstStyle/>
           <a:p>
             <a:r>
-              <a:rPr lang="en-US"/>
+              <a:rPr lang="en-US" dirty="0"/>
               <a:t>Materials Design Figma</a:t>
             </a:r>
-            <a:endParaRPr lang="en-US" err="1"/>
+            <a:endParaRPr lang="en-US" dirty="0" err="1"/>
           </a:p>
         </p:txBody>
       </p:sp>
@@ -14159,7 +14236,7 @@
           <a:bodyPr rtlCol="0" anchor="ctr"/>
           <a:lstStyle/>
           <a:p>
-            <a:endParaRPr lang="en-US">
+            <a:endParaRPr lang="en-US" dirty="0">
               <a:solidFill>
                 <a:schemeClr val="bg2">
                   <a:lumMod val="75000"/>
@@ -14287,7 +14364,7 @@
           <a:bodyPr rtlCol="0" anchor="ctr"/>
           <a:lstStyle/>
           <a:p>
-            <a:endParaRPr lang="en-US"/>
+            <a:endParaRPr lang="en-US" dirty="0"/>
           </a:p>
         </p:txBody>
       </p:sp>
@@ -14339,7 +14416,7 @@
           <a:bodyPr rtlCol="0" anchor="ctr"/>
           <a:lstStyle/>
           <a:p>
-            <a:endParaRPr lang="en-US"/>
+            <a:endParaRPr lang="en-US" dirty="0"/>
           </a:p>
         </p:txBody>
       </p:sp>
@@ -14372,7 +14449,7 @@
           <a:lstStyle/>
           <a:p>
             <a:r>
-              <a:rPr lang="en-US"/>
+              <a:rPr lang="en-US" dirty="0"/>
               <a:t>React Shopping Cart Project</a:t>
             </a:r>
           </a:p>
@@ -14407,7 +14484,7 @@
           <a:lstStyle/>
           <a:p>
             <a:r>
-              <a:rPr lang="en-US"/>
+              <a:rPr lang="en-US" dirty="0"/>
               <a:t>For the shopping cart project, we made a react website that used components and JSX</a:t>
             </a:r>
           </a:p>
@@ -14638,7 +14715,7 @@
           <a:bodyPr rtlCol="0" anchor="ctr"/>
           <a:lstStyle/>
           <a:p>
-            <a:endParaRPr lang="en-US">
+            <a:endParaRPr lang="en-US" dirty="0">
               <a:solidFill>
                 <a:schemeClr val="bg2">
                   <a:lumMod val="75000"/>
@@ -14831,7 +14908,7 @@
             <a:bodyPr rtlCol="0" anchor="ctr"/>
             <a:lstStyle/>
             <a:p>
-              <a:endParaRPr lang="en-US"/>
+              <a:endParaRPr lang="en-US" dirty="0"/>
             </a:p>
           </p:txBody>
         </p:sp>
@@ -14940,7 +15017,7 @@
             <a:bodyPr rtlCol="0" anchor="ctr"/>
             <a:lstStyle/>
             <a:p>
-              <a:endParaRPr lang="en-US"/>
+              <a:endParaRPr lang="en-US" dirty="0"/>
             </a:p>
           </p:txBody>
         </p:sp>
@@ -15054,7 +15131,7 @@
           <a:bodyPr rtlCol="0" anchor="ctr"/>
           <a:lstStyle/>
           <a:p>
-            <a:endParaRPr lang="en-US"/>
+            <a:endParaRPr lang="en-US" dirty="0"/>
           </a:p>
         </p:txBody>
       </p:sp>
@@ -15087,17 +15164,17 @@
           <a:lstStyle/>
           <a:p>
             <a:r>
-              <a:rPr lang="en-US"/>
+              <a:rPr lang="en-US" dirty="0"/>
               <a:t>Inserting React </a:t>
             </a:r>
             <a:r>
-              <a:rPr lang="en-US">
+              <a:rPr lang="en-US" dirty="0">
                 <a:ea typeface="+mj-lt"/>
                 <a:cs typeface="+mj-lt"/>
               </a:rPr>
               <a:t>Components</a:t>
             </a:r>
-            <a:endParaRPr lang="en-US"/>
+            <a:endParaRPr lang="en-US" dirty="0"/>
           </a:p>
         </p:txBody>
       </p:sp>
@@ -15130,18 +15207,18 @@
           <a:lstStyle/>
           <a:p>
             <a:r>
-              <a:rPr lang="en-US"/>
+              <a:rPr lang="en-US" dirty="0"/>
               <a:t>React is a JavaScript framework, that allows you to import libraries or c</a:t>
             </a:r>
             <a:r>
-              <a:rPr lang="en-US">
+              <a:rPr lang="en-US" dirty="0">
                 <a:ea typeface="+mn-lt"/>
                 <a:cs typeface="+mn-lt"/>
               </a:rPr>
               <a:t>omponents</a:t>
             </a:r>
             <a:r>
-              <a:rPr lang="en-US"/>
+              <a:rPr lang="en-US" dirty="0"/>
               <a:t> they are premade code that does something the way you import them is to import at the top of your code like another library.</a:t>
             </a:r>
           </a:p>
